--- a/SubRoutine Diagrams/Insemi System.pptx
+++ b/SubRoutine Diagrams/Insemi System.pptx
@@ -5234,13 +5234,13 @@
   <p:clrMapOvr>
     <a:masterClrMapping/>
   </p:clrMapOvr>
-  <mc:AlternateContent xmlns:mc="http://schemas.openxmlformats.org/markup-compatibility/2006" xmlns:p14="http://schemas.microsoft.com/office/powerpoint/2010/main">
-    <mc:Choice Requires="p14">
+  <mc:AlternateContent xmlns:mc="http://schemas.openxmlformats.org/markup-compatibility/2006">
+    <mc:Choice xmlns:p14="http://schemas.microsoft.com/office/powerpoint/2010/main" Requires="p14">
       <p:transition spd="med" p14:dur="700">
         <p:fade/>
       </p:transition>
     </mc:Choice>
-    <mc:Fallback xmlns="">
+    <mc:Fallback>
       <p:transition spd="med">
         <p:fade/>
       </p:transition>
@@ -5610,13 +5610,13 @@
     <a:masterClrMapping/>
   </p:clrMapOvr>
   <mc:AlternateContent xmlns:mc="http://schemas.openxmlformats.org/markup-compatibility/2006">
-    <mc:Choice xmlns:p15="http://schemas.microsoft.com/office/powerpoint/2012/main" Requires="p15">
-      <p:transition xmlns:p14="http://schemas.microsoft.com/office/powerpoint/2010/main" spd="slow" p14:dur="2000">
-        <p15:prstTrans prst="crush"/>
+    <mc:Choice xmlns:p14="http://schemas.microsoft.com/office/powerpoint/2010/main" Requires="p14">
+      <p:transition spd="med" p14:dur="700">
+        <p:fade/>
       </p:transition>
     </mc:Choice>
     <mc:Fallback>
-      <p:transition spd="slow">
+      <p:transition spd="med">
         <p:fade/>
       </p:transition>
     </mc:Fallback>
@@ -5663,7 +5663,7 @@
           <a:p>
             <a:r>
               <a:rPr lang="en-US" dirty="0"/>
-              <a:t>Screen 2: HOMIE SCREEN</a:t>
+              <a:t>Screen 2: HOME SCREEN</a:t>
             </a:r>
           </a:p>
         </p:txBody>
@@ -6213,13 +6213,13 @@
     <a:masterClrMapping/>
   </p:clrMapOvr>
   <mc:AlternateContent xmlns:mc="http://schemas.openxmlformats.org/markup-compatibility/2006">
-    <mc:Choice xmlns:p15="http://schemas.microsoft.com/office/powerpoint/2012/main" Requires="p15">
-      <p:transition xmlns:p14="http://schemas.microsoft.com/office/powerpoint/2010/main" spd="slow" p14:dur="2000">
-        <p15:prstTrans prst="fracture"/>
+    <mc:Choice xmlns:p14="http://schemas.microsoft.com/office/powerpoint/2010/main" Requires="p14">
+      <p:transition spd="med" p14:dur="700">
+        <p:fade/>
       </p:transition>
     </mc:Choice>
     <mc:Fallback>
-      <p:transition spd="slow">
+      <p:transition spd="med">
         <p:fade/>
       </p:transition>
     </mc:Fallback>
@@ -6772,12 +6772,12 @@
   </p:clrMapOvr>
   <mc:AlternateContent xmlns:mc="http://schemas.openxmlformats.org/markup-compatibility/2006">
     <mc:Choice xmlns:p14="http://schemas.microsoft.com/office/powerpoint/2010/main" Requires="p14">
-      <p:transition spd="slow" p14:dur="7250">
-        <p14:vortex dir="r"/>
+      <p:transition spd="med" p14:dur="700">
+        <p:fade/>
       </p:transition>
     </mc:Choice>
     <mc:Fallback>
-      <p:transition spd="slow">
+      <p:transition spd="med">
         <p:fade/>
       </p:transition>
     </mc:Fallback>
@@ -7252,12 +7252,12 @@
   </p:clrMapOvr>
   <mc:AlternateContent xmlns:mc="http://schemas.openxmlformats.org/markup-compatibility/2006">
     <mc:Choice xmlns:p14="http://schemas.microsoft.com/office/powerpoint/2010/main" Requires="p14">
-      <p:transition spd="slow" p14:dur="1400">
-        <p14:ripple/>
+      <p:transition spd="med" p14:dur="700">
+        <p:fade/>
       </p:transition>
     </mc:Choice>
     <mc:Fallback>
-      <p:transition spd="slow">
+      <p:transition spd="med">
         <p:fade/>
       </p:transition>
     </mc:Fallback>
@@ -7697,12 +7697,12 @@
   </p:clrMapOvr>
   <mc:AlternateContent xmlns:mc="http://schemas.openxmlformats.org/markup-compatibility/2006">
     <mc:Choice xmlns:p14="http://schemas.microsoft.com/office/powerpoint/2010/main" Requires="p14">
-      <p:transition spd="slow" p14:dur="9000">
-        <p14:honeycomb/>
+      <p:transition spd="med" p14:dur="700">
+        <p:fade/>
       </p:transition>
     </mc:Choice>
     <mc:Fallback>
-      <p:transition spd="slow">
+      <p:transition spd="med">
         <p:fade/>
       </p:transition>
     </mc:Fallback>
@@ -7896,13 +7896,13 @@
     <a:masterClrMapping/>
   </p:clrMapOvr>
   <mc:AlternateContent xmlns:mc="http://schemas.openxmlformats.org/markup-compatibility/2006">
-    <mc:Choice xmlns:p15="http://schemas.microsoft.com/office/powerpoint/2012/main" Requires="p15">
-      <p:transition xmlns:p14="http://schemas.microsoft.com/office/powerpoint/2010/main" spd="slow" p14:dur="10000">
-        <p15:prstTrans prst="airplane"/>
+    <mc:Choice xmlns:p14="http://schemas.microsoft.com/office/powerpoint/2010/main" Requires="p14">
+      <p:transition spd="med" p14:dur="700">
+        <p:fade/>
       </p:transition>
     </mc:Choice>
     <mc:Fallback>
-      <p:transition spd="slow">
+      <p:transition spd="med">
         <p:fade/>
       </p:transition>
     </mc:Fallback>
